--- a/组会/土卫八颗卫星的新观测目录.pptx
+++ b/组会/土卫八颗卫星的新观测目录.pptx
@@ -162,7 +162,7 @@
   </inkml:definitions>
   <inkml:trace contextRef="#ctx0" brushRef="#br0">20660 4005 0,'-24'0'47,"24"-25"-31,48 25-1,25 0-15,-49 0 16,1 0-16,-1 0 0,0 0 16,0 0-1,1 0 1,23 0-1,-24 0 17,1 0-17,-1 0 79,0 0-31,1 0-32,-1 0-16</inkml:trace>
   <inkml:trace contextRef="#ctx0" brushRef="#br0" timeOffset="17085.03">17941 9028 0,'0'-24'15,"-73"24"1,49 0-1,-25 72 1,-24-23-16,25 72 16,24-24-16,-1-24 15,-23 24-15,48 0 16,-25 0-16,25-24 16,0 24-16,0 0 15,0 0-15,0 49 16,0 0-16,0-1 15,25 98-15,-1 24 16,25 121-16,-49-72 16,48-49-16,-48-25 15,0 25-15,0 0 16,-24-73-16,0 0 16,-25-48-16,25-25 15,-25-24-15,1-24 16,-1 24-16,25-24 15,-1-24 1,-23 23-16,-25 1 16,49-49-16,0 1 31,-1-1-15,1-24-1,0 0 16,-1-24-31,25-1 16,-48-47 0,48 23-16,0 25 47,24 24-16,0 24-31,49 49 0,-48-25 15,47 25-15,1 49 16,-49-74-16,1 73 16,48-23-16,-25-1 15,-24 24 1,-24-73 0,49 50-16,-49-26 15,24-23-15,-24-1 16,0 1-16,0-25 15,0 25-15,25-1 16,-25 1-16,0-25 16,0 0-16,0 25 15,0 24-15,0-25 16,0 25-16,0-24 16,0 23-16,0-23 15,0 24-15,0-25 16,0 25-16,0-24 15,0 23-15,0 25 16,24-24-16,-24 24 16,0-48-16,48 24 15,-48-1 1,25 26-16,-1-1 16,49 0-16,-25-24 15,25 48-15,-49-97 16,1 25-16,-1 23 15,49-47-15,-49 48 16,49-49 0,0 49-1,-25-49-15,1 0 16,-1 25-16,1-49 16,24 0-16,0 24 15,-25-24-15,25 0 16,-24 0-16,23 0 15,-23 0-15,24 0 16,-25 0-16,25 0 16,-24 0-1,24 0-15,-25 0 16,25 0-16,-25 0 0,-23 0 16,-1 0-16,0 0 15,1 0 1,23 0-1,-24 0 1</inkml:trace>
-  <inkml:trace contextRef="#ctx0" brushRef="#br0" timeOffset="19920.15">16508 15168 0,'195'0'16,"120"0"-16,1 0 15,0 0-15,72 0 16,-72 0-16,-1 0 15,1 0-15,-1 0 16,-48 0-16,-24 0 16,24 0-16,-73 0 0,-48 0 15,24 0 1,-49 0-16,1 0 16,-1 0-16,-72 0 15</inkml:trace>
+  <inkml:trace contextRef="#ctx0" brushRef="#br0" timeOffset="19920.14">16508 15168 0,'195'0'16,"120"0"-16,1 0 15,0 0-15,72 0 16,-72 0-16,-1 0 15,1 0-15,-1 0 16,-48 0-16,-24 0 16,24 0-16,-73 0 0,-48 0 15,24 0 1,-49 0-16,1 0 16,-1 0-16,-72 0 15</inkml:trace>
   <inkml:trace contextRef="#ctx0" brushRef="#br0" timeOffset="106958.95">23258 13493 0,'24'0'15,"24"0"1,25 0-16,-24 0 16,24 0-16,24 0 15,-24 0-15,24 24 0,0-24 16,0 0-16,-24 25 16,24-25-16,-24 0 15,-25 0 1,-24 0-16,25 0 15,24 0-15,-25 0 16,1 0-16,0 0 16,-25 0-1,0 0-15,0 0 16,1 0-16,-1 0 16,24 0-16,-23 0 15,-1 0-15,25 0 16,-25 0-1</inkml:trace>
   <inkml:trace contextRef="#ctx0" brushRef="#br0" timeOffset="135242.04">24107 17230 0,'0'49'31,"25"-25"31,-1-24-46,0 0 0,0 0-16,25 0 15,-25 0 1,25 0-1,-25 0 1,0 0 15,1 0 1,-1 0-17,0 0 1,0 0-1,1 0 1,-1 0-16,25 0 31,-25 0 282,0 0-282,0 0 0,1 0-15,-1 0 15</inkml:trace>
 </inkml:ink>
@@ -307,7 +307,7 @@
           <a:p>
             <a:fld id="{1221E2B6-DD54-4086-9459-8C3827A6351B}" type="datetimeFigureOut">
               <a:rPr lang="zh-CN" altLang="en-US" smtClean="0"/>
-              <a:t>2024/11/8</a:t>
+              <a:t>2024/12/7</a:t>
             </a:fld>
             <a:endParaRPr lang="zh-CN" altLang="en-US"/>
           </a:p>
@@ -3679,6 +3679,14 @@
               <a:rPr lang="zh-CN" altLang="en-US" dirty="0"/>
               <a:t>汇报人：杨哲</a:t>
             </a:r>
+            <a:endParaRPr lang="en-US" altLang="zh-CN" dirty="0"/>
+          </a:p>
+          <a:p>
+            <a:r>
+              <a:rPr lang="en-US" altLang="zh-CN"/>
+              <a:t>11.17</a:t>
+            </a:r>
+            <a:endParaRPr lang="zh-CN" altLang="en-US" dirty="0"/>
           </a:p>
         </p:txBody>
       </p:sp>
@@ -4594,8 +4602,8 @@
           </a:prstGeom>
         </p:spPr>
       </p:pic>
-      <mc:AlternateContent xmlns:mc="http://schemas.openxmlformats.org/markup-compatibility/2006">
-        <mc:Choice xmlns:p14="http://schemas.microsoft.com/office/powerpoint/2010/main" Requires="p14">
+      <mc:AlternateContent xmlns:mc="http://schemas.openxmlformats.org/markup-compatibility/2006" xmlns:p14="http://schemas.microsoft.com/office/powerpoint/2010/main">
+        <mc:Choice Requires="p14">
           <p:contentPart p14:bwMode="auto" r:id="rId6">
             <p14:nvContentPartPr>
               <p14:cNvPr id="13" name="墨迹 12">
@@ -4614,7 +4622,7 @@
             </p14:xfrm>
           </p:contentPart>
         </mc:Choice>
-        <mc:Fallback>
+        <mc:Fallback xmlns="">
           <p:pic>
             <p:nvPicPr>
               <p:cNvPr id="13" name="墨迹 12">
@@ -4780,8 +4788,8 @@
           </a:p>
         </p:txBody>
       </p:sp>
-      <mc:AlternateContent xmlns:mc="http://schemas.openxmlformats.org/markup-compatibility/2006">
-        <mc:Choice xmlns:p14="http://schemas.microsoft.com/office/powerpoint/2010/main" Requires="p14">
+      <mc:AlternateContent xmlns:mc="http://schemas.openxmlformats.org/markup-compatibility/2006" xmlns:p14="http://schemas.microsoft.com/office/powerpoint/2010/main">
+        <mc:Choice Requires="p14">
           <p:contentPart p14:bwMode="auto" r:id="rId2">
             <p14:nvContentPartPr>
               <p14:cNvPr id="4" name="墨迹 3">
@@ -4800,7 +4808,7 @@
             </p14:xfrm>
           </p:contentPart>
         </mc:Choice>
-        <mc:Fallback>
+        <mc:Fallback xmlns="">
           <p:pic>
             <p:nvPicPr>
               <p:cNvPr id="4" name="墨迹 3">
@@ -5052,8 +5060,8 @@
           </a:p>
         </p:txBody>
       </p:sp>
-      <mc:AlternateContent xmlns:mc="http://schemas.openxmlformats.org/markup-compatibility/2006">
-        <mc:Choice xmlns:p14="http://schemas.microsoft.com/office/powerpoint/2010/main" Requires="p14">
+      <mc:AlternateContent xmlns:mc="http://schemas.openxmlformats.org/markup-compatibility/2006" xmlns:p14="http://schemas.microsoft.com/office/powerpoint/2010/main">
+        <mc:Choice Requires="p14">
           <p:contentPart p14:bwMode="auto" r:id="rId3">
             <p14:nvContentPartPr>
               <p14:cNvPr id="7" name="墨迹 6">
@@ -5072,7 +5080,7 @@
             </p14:xfrm>
           </p:contentPart>
         </mc:Choice>
-        <mc:Fallback>
+        <mc:Fallback xmlns="">
           <p:pic>
             <p:nvPicPr>
               <p:cNvPr id="7" name="墨迹 6">
